--- a/DATA551-MilestoneII_poster.pptx
+++ b/DATA551-MilestoneII_poster.pptx
@@ -243,7 +243,7 @@
           <a:p>
             <a:fld id="{8C2A404F-07E8-414E-A8CB-C29146AA4A06}" type="datetimeFigureOut">
               <a:rPr lang="en-CA" smtClean="0"/>
-              <a:t>2019-02-23</a:t>
+              <a:t>2019-02-25</a:t>
             </a:fld>
             <a:endParaRPr lang="en-CA"/>
           </a:p>
@@ -413,7 +413,7 @@
           <a:p>
             <a:fld id="{8C2A404F-07E8-414E-A8CB-C29146AA4A06}" type="datetimeFigureOut">
               <a:rPr lang="en-CA" smtClean="0"/>
-              <a:t>2019-02-23</a:t>
+              <a:t>2019-02-25</a:t>
             </a:fld>
             <a:endParaRPr lang="en-CA"/>
           </a:p>
@@ -593,7 +593,7 @@
           <a:p>
             <a:fld id="{8C2A404F-07E8-414E-A8CB-C29146AA4A06}" type="datetimeFigureOut">
               <a:rPr lang="en-CA" smtClean="0"/>
-              <a:t>2019-02-23</a:t>
+              <a:t>2019-02-25</a:t>
             </a:fld>
             <a:endParaRPr lang="en-CA"/>
           </a:p>
@@ -763,7 +763,7 @@
           <a:p>
             <a:fld id="{8C2A404F-07E8-414E-A8CB-C29146AA4A06}" type="datetimeFigureOut">
               <a:rPr lang="en-CA" smtClean="0"/>
-              <a:t>2019-02-23</a:t>
+              <a:t>2019-02-25</a:t>
             </a:fld>
             <a:endParaRPr lang="en-CA"/>
           </a:p>
@@ -1007,7 +1007,7 @@
           <a:p>
             <a:fld id="{8C2A404F-07E8-414E-A8CB-C29146AA4A06}" type="datetimeFigureOut">
               <a:rPr lang="en-CA" smtClean="0"/>
-              <a:t>2019-02-23</a:t>
+              <a:t>2019-02-25</a:t>
             </a:fld>
             <a:endParaRPr lang="en-CA"/>
           </a:p>
@@ -1239,7 +1239,7 @@
           <a:p>
             <a:fld id="{8C2A404F-07E8-414E-A8CB-C29146AA4A06}" type="datetimeFigureOut">
               <a:rPr lang="en-CA" smtClean="0"/>
-              <a:t>2019-02-23</a:t>
+              <a:t>2019-02-25</a:t>
             </a:fld>
             <a:endParaRPr lang="en-CA"/>
           </a:p>
@@ -1606,7 +1606,7 @@
           <a:p>
             <a:fld id="{8C2A404F-07E8-414E-A8CB-C29146AA4A06}" type="datetimeFigureOut">
               <a:rPr lang="en-CA" smtClean="0"/>
-              <a:t>2019-02-23</a:t>
+              <a:t>2019-02-25</a:t>
             </a:fld>
             <a:endParaRPr lang="en-CA"/>
           </a:p>
@@ -1724,7 +1724,7 @@
           <a:p>
             <a:fld id="{8C2A404F-07E8-414E-A8CB-C29146AA4A06}" type="datetimeFigureOut">
               <a:rPr lang="en-CA" smtClean="0"/>
-              <a:t>2019-02-23</a:t>
+              <a:t>2019-02-25</a:t>
             </a:fld>
             <a:endParaRPr lang="en-CA"/>
           </a:p>
@@ -1819,7 +1819,7 @@
           <a:p>
             <a:fld id="{8C2A404F-07E8-414E-A8CB-C29146AA4A06}" type="datetimeFigureOut">
               <a:rPr lang="en-CA" smtClean="0"/>
-              <a:t>2019-02-23</a:t>
+              <a:t>2019-02-25</a:t>
             </a:fld>
             <a:endParaRPr lang="en-CA"/>
           </a:p>
@@ -2096,7 +2096,7 @@
           <a:p>
             <a:fld id="{8C2A404F-07E8-414E-A8CB-C29146AA4A06}" type="datetimeFigureOut">
               <a:rPr lang="en-CA" smtClean="0"/>
-              <a:t>2019-02-23</a:t>
+              <a:t>2019-02-25</a:t>
             </a:fld>
             <a:endParaRPr lang="en-CA"/>
           </a:p>
@@ -2353,7 +2353,7 @@
           <a:p>
             <a:fld id="{8C2A404F-07E8-414E-A8CB-C29146AA4A06}" type="datetimeFigureOut">
               <a:rPr lang="en-CA" smtClean="0"/>
-              <a:t>2019-02-23</a:t>
+              <a:t>2019-02-25</a:t>
             </a:fld>
             <a:endParaRPr lang="en-CA"/>
           </a:p>
@@ -2566,7 +2566,7 @@
           <a:p>
             <a:fld id="{8C2A404F-07E8-414E-A8CB-C29146AA4A06}" type="datetimeFigureOut">
               <a:rPr lang="en-CA" smtClean="0"/>
-              <a:t>2019-02-23</a:t>
+              <a:t>2019-02-25</a:t>
             </a:fld>
             <a:endParaRPr lang="en-CA"/>
           </a:p>
@@ -3545,10 +3545,10 @@
       </p:pic>
       <p:pic>
         <p:nvPicPr>
-          <p:cNvPr id="4" name="Graphic 3">
+          <p:cNvPr id="5" name="Graphic 4">
             <a:extLst>
               <a:ext uri="{FF2B5EF4-FFF2-40B4-BE49-F238E27FC236}">
-                <a16:creationId xmlns:a16="http://schemas.microsoft.com/office/drawing/2014/main" id="{7427025B-2CC7-443C-BCF3-1F8E90CB8AAF}"/>
+                <a16:creationId xmlns:a16="http://schemas.microsoft.com/office/drawing/2014/main" id="{AAB4E95D-23B6-4F96-8BDC-216777312AB4}"/>
               </a:ext>
             </a:extLst>
           </p:cNvPr>
@@ -3568,13 +3568,13 @@
               </a:ext>
             </a:extLst>
           </a:blip>
-          <a:srcRect t="18947"/>
+          <a:srcRect t="19730"/>
           <a:stretch/>
         </p:blipFill>
         <p:spPr>
           <a:xfrm>
-            <a:off x="5355031" y="376273"/>
-            <a:ext cx="4320000" cy="2501066"/>
+            <a:off x="5391604" y="404643"/>
+            <a:ext cx="4320000" cy="2476884"/>
           </a:xfrm>
           <a:prstGeom prst="rect">
             <a:avLst/>
